--- a/slides/NG TDD.pptx
+++ b/slides/NG TDD.pptx
@@ -5,10 +5,10 @@
     <p:sldMasterId id="2147483648" r:id="rId1"/>
   </p:sldMasterIdLst>
   <p:notesMasterIdLst>
-    <p:notesMasterId r:id="rId9"/>
+    <p:notesMasterId r:id="rId10"/>
   </p:notesMasterIdLst>
   <p:handoutMasterIdLst>
-    <p:handoutMasterId r:id="rId10"/>
+    <p:handoutMasterId r:id="rId11"/>
   </p:handoutMasterIdLst>
   <p:sldIdLst>
     <p:sldId id="297" r:id="rId2"/>
@@ -18,11 +18,12 @@
     <p:sldId id="652" r:id="rId6"/>
     <p:sldId id="655" r:id="rId7"/>
     <p:sldId id="657" r:id="rId8"/>
+    <p:sldId id="658" r:id="rId9"/>
   </p:sldIdLst>
   <p:sldSz cx="9144000" cy="5143500" type="screen16x9"/>
   <p:notesSz cx="6858000" cy="9144000"/>
   <p:custDataLst>
-    <p:tags r:id="rId11"/>
+    <p:tags r:id="rId12"/>
   </p:custDataLst>
   <p:defaultTextStyle>
     <a:defPPr>
@@ -131,6 +132,7 @@
             <p14:sldId id="652"/>
             <p14:sldId id="655"/>
             <p14:sldId id="657"/>
+            <p14:sldId id="658"/>
           </p14:sldIdLst>
         </p14:section>
       </p14:sectionLst>
@@ -265,7 +267,7 @@
                 <a:latin typeface="Intel Clear"/>
               </a:rPr>
               <a:pPr/>
-              <a:t>5/10/2018</a:t>
+              <a:t>5/17/2018</a:t>
             </a:fld>
             <a:endParaRPr lang="en-US" dirty="0">
               <a:latin typeface="Intel Clear"/>
@@ -445,7 +447,7 @@
             <a:fld id="{ED7FC5FE-6F0D-D34A-8EE6-C95B4F5F4DC8}" type="datetimeFigureOut">
               <a:rPr lang="en-US" smtClean="0"/>
               <a:pPr/>
-              <a:t>5/10/2018</a:t>
+              <a:t>5/17/2018</a:t>
             </a:fld>
             <a:endParaRPr lang="en-US" dirty="0"/>
           </a:p>
@@ -1467,7 +1469,7 @@
           <a:noFill/>
           <a:extLst>
             <a:ext uri="{909E8E84-426E-40dd-AFC4-6F175D3DCCD1}">
-              <a14:hiddenFill xmlns="" xmlns:a14="http://schemas.microsoft.com/office/drawing/2010/main">
+              <a14:hiddenFill xmlns:a14="http://schemas.microsoft.com/office/drawing/2010/main" xmlns="">
                 <a:solidFill>
                   <a:srgbClr val="FFFFFF"/>
                 </a:solidFill>
@@ -2994,7 +2996,7 @@
           <a:noFill/>
           <a:extLst>
             <a:ext uri="{909E8E84-426E-40dd-AFC4-6F175D3DCCD1}">
-              <a14:hiddenFill xmlns="" xmlns:a14="http://schemas.microsoft.com/office/drawing/2010/main">
+              <a14:hiddenFill xmlns:a14="http://schemas.microsoft.com/office/drawing/2010/main" xmlns="">
                 <a:solidFill>
                   <a:srgbClr val="FFFFFF"/>
                 </a:solidFill>
@@ -3502,7 +3504,7 @@
           <a:noFill/>
           <a:extLst>
             <a:ext uri="{909E8E84-426E-40dd-AFC4-6F175D3DCCD1}">
-              <a14:hiddenFill xmlns="" xmlns:a14="http://schemas.microsoft.com/office/drawing/2010/main">
+              <a14:hiddenFill xmlns:a14="http://schemas.microsoft.com/office/drawing/2010/main" xmlns="">
                 <a:solidFill>
                   <a:srgbClr val="FFFFFF"/>
                 </a:solidFill>
@@ -5457,7 +5459,7 @@
           <a:noFill/>
           <a:extLst>
             <a:ext uri="{909E8E84-426E-40dd-AFC4-6F175D3DCCD1}">
-              <a14:hiddenFill xmlns="" xmlns:a14="http://schemas.microsoft.com/office/drawing/2010/main">
+              <a14:hiddenFill xmlns:a14="http://schemas.microsoft.com/office/drawing/2010/main" xmlns="">
                 <a:solidFill>
                   <a:srgbClr val="FFFFFF"/>
                 </a:solidFill>
@@ -6010,7 +6012,7 @@
                   </a:schemeClr>
                 </a:solidFill>
               </a:rPr>
-              <a:t>NG TDD</a:t>
+              <a:t>TDD with angular-new</a:t>
             </a:r>
           </a:p>
         </p:txBody>
@@ -6149,22 +6151,6 @@
               <a:buFont typeface="Arial" panose="020B0604020202020204" pitchFamily="34" charset="0"/>
               <a:buChar char="•"/>
             </a:pPr>
-            <a:endParaRPr lang="en-US" sz="2000" dirty="0">
-              <a:solidFill>
-                <a:schemeClr val="accent2">
-                  <a:lumMod val="75000"/>
-                </a:schemeClr>
-              </a:solidFill>
-            </a:endParaRPr>
-          </a:p>
-          <a:p>
-            <a:pPr marL="568325" lvl="1" indent="-342900">
-              <a:lnSpc>
-                <a:spcPct val="70000"/>
-              </a:lnSpc>
-              <a:buFont typeface="Arial" panose="020B0604020202020204" pitchFamily="34" charset="0"/>
-              <a:buChar char="•"/>
-            </a:pPr>
             <a:r>
               <a:rPr lang="en-US" sz="2000" dirty="0">
                 <a:solidFill>
@@ -6175,60 +6161,6 @@
               </a:rPr>
               <a:t>Demo App Setup</a:t>
             </a:r>
-          </a:p>
-          <a:p>
-            <a:pPr marL="914400" lvl="2" indent="-342900">
-              <a:lnSpc>
-                <a:spcPct val="70000"/>
-              </a:lnSpc>
-              <a:buFont typeface="Arial" panose="020B0604020202020204" pitchFamily="34" charset="0"/>
-              <a:buChar char="•"/>
-            </a:pPr>
-            <a:r>
-              <a:rPr lang="en-US" sz="2000" dirty="0">
-                <a:solidFill>
-                  <a:schemeClr val="accent2">
-                    <a:lumMod val="75000"/>
-                  </a:schemeClr>
-                </a:solidFill>
-              </a:rPr>
-              <a:t>Component</a:t>
-            </a:r>
-          </a:p>
-          <a:p>
-            <a:pPr marL="914400" lvl="2" indent="-342900">
-              <a:lnSpc>
-                <a:spcPct val="70000"/>
-              </a:lnSpc>
-              <a:buFont typeface="Arial" panose="020B0604020202020204" pitchFamily="34" charset="0"/>
-              <a:buChar char="•"/>
-            </a:pPr>
-            <a:r>
-              <a:rPr lang="en-US" sz="2000" dirty="0">
-                <a:solidFill>
-                  <a:schemeClr val="accent2">
-                    <a:lumMod val="75000"/>
-                  </a:schemeClr>
-                </a:solidFill>
-              </a:rPr>
-              <a:t>Service</a:t>
-            </a:r>
-          </a:p>
-          <a:p>
-            <a:pPr marL="568325" lvl="1" indent="-342900">
-              <a:lnSpc>
-                <a:spcPct val="70000"/>
-              </a:lnSpc>
-              <a:buFont typeface="Arial" panose="020B0604020202020204" pitchFamily="34" charset="0"/>
-              <a:buChar char="•"/>
-            </a:pPr>
-            <a:endParaRPr lang="en-US" sz="2000" dirty="0">
-              <a:solidFill>
-                <a:schemeClr val="accent2">
-                  <a:lumMod val="75000"/>
-                </a:schemeClr>
-              </a:solidFill>
-            </a:endParaRPr>
           </a:p>
           <a:p>
             <a:pPr marL="568325" lvl="1" indent="-342900">
@@ -6308,7 +6240,7 @@
                 <a:ea typeface="Intel Clear Pro" panose="020B0804020202060201" pitchFamily="34" charset="0"/>
                 <a:cs typeface="Intel Clear Pro" panose="020B0804020202060201" pitchFamily="34" charset="0"/>
               </a:rPr>
-              <a:t>contents</a:t>
+              <a:t>agenda</a:t>
             </a:r>
             <a:endParaRPr lang="en-US" sz="4050" dirty="0">
               <a:solidFill>
@@ -6465,9 +6397,38 @@
                     <a:lumMod val="75000"/>
                   </a:schemeClr>
                 </a:solidFill>
+                <a:latin typeface="+mj-lt"/>
+              </a:rPr>
+              <a:t>Automatically generates HTML, SCSS, and spec files</a:t>
+            </a:r>
+          </a:p>
+          <a:p>
+            <a:pPr marL="914400" lvl="2" indent="-342900">
+              <a:lnSpc>
+                <a:spcPct val="70000"/>
+              </a:lnSpc>
+              <a:buFont typeface="Arial" panose="020B0604020202020204" pitchFamily="34" charset="0"/>
+              <a:buChar char="•"/>
+            </a:pPr>
+            <a:r>
+              <a:rPr lang="en-US" sz="2000" dirty="0">
+                <a:solidFill>
+                  <a:schemeClr val="accent2">
+                    <a:lumMod val="75000"/>
+                  </a:schemeClr>
+                </a:solidFill>
+                <a:latin typeface="Consolas" panose="020B0609020204030204" pitchFamily="49" charset="0"/>
               </a:rPr>
               <a:t>ng generate &lt;type&gt; &lt;name&gt;</a:t>
             </a:r>
+            <a:endParaRPr lang="en-US" sz="2000" dirty="0">
+              <a:solidFill>
+                <a:schemeClr val="accent2">
+                  <a:lumMod val="75000"/>
+                </a:schemeClr>
+              </a:solidFill>
+              <a:latin typeface="+mj-lt"/>
+            </a:endParaRPr>
           </a:p>
           <a:p>
             <a:pPr marL="568325" lvl="1" indent="-342900">
@@ -6503,6 +6464,7 @@
                     <a:lumMod val="75000"/>
                   </a:schemeClr>
                 </a:solidFill>
+                <a:latin typeface="Consolas" panose="020B0609020204030204" pitchFamily="49" charset="0"/>
               </a:rPr>
               <a:t>ng serve</a:t>
             </a:r>
@@ -6522,6 +6484,7 @@
                     <a:lumMod val="75000"/>
                   </a:schemeClr>
                 </a:solidFill>
+                <a:latin typeface="Consolas" panose="020B0609020204030204" pitchFamily="49" charset="0"/>
               </a:rPr>
               <a:t>ng test [-</a:t>
             </a:r>
@@ -6532,6 +6495,7 @@
                     <a:lumMod val="75000"/>
                   </a:schemeClr>
                 </a:solidFill>
+                <a:latin typeface="Consolas" panose="020B0609020204030204" pitchFamily="49" charset="0"/>
               </a:rPr>
               <a:t>sm</a:t>
             </a:r>
@@ -6542,6 +6506,7 @@
                     <a:lumMod val="75000"/>
                   </a:schemeClr>
                 </a:solidFill>
+                <a:latin typeface="Consolas" panose="020B0609020204030204" pitchFamily="49" charset="0"/>
               </a:rPr>
               <a:t>=false]</a:t>
             </a:r>
@@ -6791,33 +6756,15 @@
                                   </p:childTnLst>
                                 </p:cTn>
                               </p:par>
-                            </p:childTnLst>
-                          </p:cTn>
-                        </p:par>
-                      </p:childTnLst>
-                    </p:cTn>
-                  </p:par>
-                  <p:par>
-                    <p:cTn id="11" fill="hold">
-                      <p:stCondLst>
-                        <p:cond delay="indefinite"/>
-                      </p:stCondLst>
-                      <p:childTnLst>
-                        <p:par>
-                          <p:cTn id="12" fill="hold">
-                            <p:stCondLst>
-                              <p:cond delay="0"/>
-                            </p:stCondLst>
-                            <p:childTnLst>
                               <p:par>
-                                <p:cTn id="13" presetID="10" presetClass="entr" presetSubtype="0" fill="hold" nodeType="clickEffect">
+                                <p:cTn id="11" presetID="10" presetClass="entr" presetSubtype="0" fill="hold" nodeType="withEffect">
                                   <p:stCondLst>
                                     <p:cond delay="0"/>
                                   </p:stCondLst>
                                   <p:childTnLst>
                                     <p:set>
                                       <p:cBhvr>
-                                        <p:cTn id="14" dur="1" fill="hold">
+                                        <p:cTn id="12" dur="1" fill="hold">
                                           <p:stCondLst>
                                             <p:cond delay="0"/>
                                           </p:stCondLst>
@@ -6839,7 +6786,7 @@
                                     </p:set>
                                     <p:animEffect transition="in" filter="fade">
                                       <p:cBhvr>
-                                        <p:cTn id="15" dur="500"/>
+                                        <p:cTn id="13" dur="500"/>
                                         <p:tgtEl>
                                           <p:spTgt spid="5">
                                             <p:txEl>
@@ -6852,8 +6799,26 @@
                                   </p:childTnLst>
                                 </p:cTn>
                               </p:par>
+                            </p:childTnLst>
+                          </p:cTn>
+                        </p:par>
+                      </p:childTnLst>
+                    </p:cTn>
+                  </p:par>
+                  <p:par>
+                    <p:cTn id="14" fill="hold">
+                      <p:stCondLst>
+                        <p:cond delay="indefinite"/>
+                      </p:stCondLst>
+                      <p:childTnLst>
+                        <p:par>
+                          <p:cTn id="15" fill="hold">
+                            <p:stCondLst>
+                              <p:cond delay="0"/>
+                            </p:stCondLst>
+                            <p:childTnLst>
                               <p:par>
-                                <p:cTn id="16" presetID="10" presetClass="entr" presetSubtype="0" fill="hold" nodeType="withEffect">
+                                <p:cTn id="16" presetID="10" presetClass="entr" presetSubtype="0" fill="hold" nodeType="clickEffect">
                                   <p:stCondLst>
                                     <p:cond delay="0"/>
                                   </p:stCondLst>
@@ -6938,33 +6903,15 @@
                                   </p:childTnLst>
                                 </p:cTn>
                               </p:par>
-                            </p:childTnLst>
-                          </p:cTn>
-                        </p:par>
-                      </p:childTnLst>
-                    </p:cTn>
-                  </p:par>
-                  <p:par>
-                    <p:cTn id="22" fill="hold">
-                      <p:stCondLst>
-                        <p:cond delay="indefinite"/>
-                      </p:stCondLst>
-                      <p:childTnLst>
-                        <p:par>
-                          <p:cTn id="23" fill="hold">
-                            <p:stCondLst>
-                              <p:cond delay="0"/>
-                            </p:stCondLst>
-                            <p:childTnLst>
                               <p:par>
-                                <p:cTn id="24" presetID="10" presetClass="entr" presetSubtype="0" fill="hold" nodeType="clickEffect">
+                                <p:cTn id="22" presetID="10" presetClass="entr" presetSubtype="0" fill="hold" nodeType="withEffect">
                                   <p:stCondLst>
                                     <p:cond delay="0"/>
                                   </p:stCondLst>
                                   <p:childTnLst>
                                     <p:set>
                                       <p:cBhvr>
-                                        <p:cTn id="25" dur="1" fill="hold">
+                                        <p:cTn id="23" dur="1" fill="hold">
                                           <p:stCondLst>
                                             <p:cond delay="0"/>
                                           </p:stCondLst>
@@ -6986,7 +6933,7 @@
                                     </p:set>
                                     <p:animEffect transition="in" filter="fade">
                                       <p:cBhvr>
-                                        <p:cTn id="26" dur="500"/>
+                                        <p:cTn id="24" dur="500"/>
                                         <p:tgtEl>
                                           <p:spTgt spid="5">
                                             <p:txEl>
@@ -7006,26 +6953,26 @@
                     </p:cTn>
                   </p:par>
                   <p:par>
-                    <p:cTn id="27" fill="hold">
+                    <p:cTn id="25" fill="hold">
                       <p:stCondLst>
                         <p:cond delay="indefinite"/>
                       </p:stCondLst>
                       <p:childTnLst>
                         <p:par>
-                          <p:cTn id="28" fill="hold">
+                          <p:cTn id="26" fill="hold">
                             <p:stCondLst>
                               <p:cond delay="0"/>
                             </p:stCondLst>
                             <p:childTnLst>
                               <p:par>
-                                <p:cTn id="29" presetID="10" presetClass="entr" presetSubtype="0" fill="hold" nodeType="clickEffect">
+                                <p:cTn id="27" presetID="10" presetClass="entr" presetSubtype="0" fill="hold" nodeType="clickEffect">
                                   <p:stCondLst>
                                     <p:cond delay="0"/>
                                   </p:stCondLst>
                                   <p:childTnLst>
                                     <p:set>
                                       <p:cBhvr>
-                                        <p:cTn id="30" dur="1" fill="hold">
+                                        <p:cTn id="28" dur="1" fill="hold">
                                           <p:stCondLst>
                                             <p:cond delay="0"/>
                                           </p:stCondLst>
@@ -7047,11 +6994,72 @@
                                     </p:set>
                                     <p:animEffect transition="in" filter="fade">
                                       <p:cBhvr>
-                                        <p:cTn id="31" dur="500"/>
+                                        <p:cTn id="29" dur="500"/>
                                         <p:tgtEl>
                                           <p:spTgt spid="5">
                                             <p:txEl>
                                               <p:pRg st="8" end="8"/>
+                                            </p:txEl>
+                                          </p:spTgt>
+                                        </p:tgtEl>
+                                      </p:cBhvr>
+                                    </p:animEffect>
+                                  </p:childTnLst>
+                                </p:cTn>
+                              </p:par>
+                            </p:childTnLst>
+                          </p:cTn>
+                        </p:par>
+                      </p:childTnLst>
+                    </p:cTn>
+                  </p:par>
+                  <p:par>
+                    <p:cTn id="30" fill="hold">
+                      <p:stCondLst>
+                        <p:cond delay="indefinite"/>
+                      </p:stCondLst>
+                      <p:childTnLst>
+                        <p:par>
+                          <p:cTn id="31" fill="hold">
+                            <p:stCondLst>
+                              <p:cond delay="0"/>
+                            </p:stCondLst>
+                            <p:childTnLst>
+                              <p:par>
+                                <p:cTn id="32" presetID="10" presetClass="entr" presetSubtype="0" fill="hold" nodeType="clickEffect">
+                                  <p:stCondLst>
+                                    <p:cond delay="0"/>
+                                  </p:stCondLst>
+                                  <p:childTnLst>
+                                    <p:set>
+                                      <p:cBhvr>
+                                        <p:cTn id="33" dur="1" fill="hold">
+                                          <p:stCondLst>
+                                            <p:cond delay="0"/>
+                                          </p:stCondLst>
+                                        </p:cTn>
+                                        <p:tgtEl>
+                                          <p:spTgt spid="5">
+                                            <p:txEl>
+                                              <p:pRg st="9" end="9"/>
+                                            </p:txEl>
+                                          </p:spTgt>
+                                        </p:tgtEl>
+                                        <p:attrNameLst>
+                                          <p:attrName>style.visibility</p:attrName>
+                                        </p:attrNameLst>
+                                      </p:cBhvr>
+                                      <p:to>
+                                        <p:strVal val="visible"/>
+                                      </p:to>
+                                    </p:set>
+                                    <p:animEffect transition="in" filter="fade">
+                                      <p:cBhvr>
+                                        <p:cTn id="34" dur="500"/>
+                                        <p:tgtEl>
+                                          <p:spTgt spid="5">
+                                            <p:txEl>
+                                              <p:pRg st="9" end="9"/>
                                             </p:txEl>
                                           </p:spTgt>
                                         </p:tgtEl>
@@ -7310,7 +7318,7 @@
                 <a:ea typeface="Intel Clear Pro" panose="020B0804020202060201" pitchFamily="34" charset="0"/>
                 <a:cs typeface="Intel Clear Pro" panose="020B0804020202060201" pitchFamily="34" charset="0"/>
               </a:rPr>
-              <a:t>Angular cli</a:t>
+              <a:t>Angular cli - Tests</a:t>
             </a:r>
             <a:endParaRPr lang="en-US" sz="4050" dirty="0">
               <a:solidFill>
@@ -8194,6 +8202,46 @@
           </a:p>
         </p:txBody>
       </p:sp>
+      <p:pic>
+        <p:nvPicPr>
+          <p:cNvPr id="2" name="Picture 1">
+            <a:extLst>
+              <a:ext uri="{FF2B5EF4-FFF2-40B4-BE49-F238E27FC236}">
+                <a16:creationId xmlns:a16="http://schemas.microsoft.com/office/drawing/2014/main" id="{818A4F38-A0BC-4524-9439-0C7BCAE7ADE1}"/>
+              </a:ext>
+            </a:extLst>
+          </p:cNvPr>
+          <p:cNvPicPr>
+            <a:picLocks noChangeAspect="1"/>
+          </p:cNvPicPr>
+          <p:nvPr/>
+        </p:nvPicPr>
+        <p:blipFill>
+          <a:blip r:embed="rId4"/>
+          <a:stretch>
+            <a:fillRect/>
+          </a:stretch>
+        </p:blipFill>
+        <p:spPr>
+          <a:xfrm>
+            <a:off x="1052021" y="1118985"/>
+            <a:ext cx="7039957" cy="2905530"/>
+          </a:xfrm>
+          <a:prstGeom prst="rect">
+            <a:avLst/>
+          </a:prstGeom>
+          <a:ln>
+            <a:noFill/>
+          </a:ln>
+          <a:effectLst>
+            <a:outerShdw blurRad="190500" algn="tl" rotWithShape="0">
+              <a:srgbClr val="000000">
+                <a:alpha val="70000"/>
+              </a:srgbClr>
+            </a:outerShdw>
+          </a:effectLst>
+        </p:spPr>
+      </p:pic>
     </p:spTree>
     <p:custDataLst>
       <p:tags r:id="rId1"/>
@@ -9909,6 +9957,111 @@
       <p:bldP spid="23" grpId="0"/>
     </p:bldLst>
   </p:timing>
+</p:sld>
+</file>
+
+<file path=ppt/slides/slide8.xml><?xml version="1.0" encoding="utf-8"?>
+<p:sld xmlns:a="http://schemas.openxmlformats.org/drawingml/2006/main" xmlns:r="http://schemas.openxmlformats.org/officeDocument/2006/relationships" xmlns:p="http://schemas.openxmlformats.org/presentationml/2006/main">
+  <p:cSld>
+    <p:spTree>
+      <p:nvGrpSpPr>
+        <p:cNvPr id="1" name=""/>
+        <p:cNvGrpSpPr/>
+        <p:nvPr/>
+      </p:nvGrpSpPr>
+      <p:grpSpPr>
+        <a:xfrm>
+          <a:off x="0" y="0"/>
+          <a:ext cx="0" cy="0"/>
+          <a:chOff x="0" y="0"/>
+          <a:chExt cx="0" cy="0"/>
+        </a:xfrm>
+      </p:grpSpPr>
+      <p:sp>
+        <p:nvSpPr>
+          <p:cNvPr id="5" name="Title 4">
+            <a:extLst>
+              <a:ext uri="{FF2B5EF4-FFF2-40B4-BE49-F238E27FC236}">
+                <a16:creationId xmlns:a16="http://schemas.microsoft.com/office/drawing/2014/main" id="{3F232A56-041F-465D-8A6A-A54358742769}"/>
+              </a:ext>
+            </a:extLst>
+          </p:cNvPr>
+          <p:cNvSpPr>
+            <a:spLocks noGrp="1"/>
+          </p:cNvSpPr>
+          <p:nvPr>
+            <p:ph type="title"/>
+          </p:nvPr>
+        </p:nvSpPr>
+        <p:spPr/>
+        <p:txBody>
+          <a:bodyPr/>
+          <a:lstStyle/>
+          <a:p>
+            <a:r>
+              <a:rPr lang="en-US" dirty="0"/>
+              <a:t>Time to code</a:t>
+            </a:r>
+          </a:p>
+        </p:txBody>
+      </p:sp>
+      <p:sp>
+        <p:nvSpPr>
+          <p:cNvPr id="2" name="Slide Number Placeholder 1">
+            <a:extLst>
+              <a:ext uri="{FF2B5EF4-FFF2-40B4-BE49-F238E27FC236}">
+                <a16:creationId xmlns:a16="http://schemas.microsoft.com/office/drawing/2014/main" id="{08BA8F01-CF58-4963-A712-B8189C986C62}"/>
+              </a:ext>
+            </a:extLst>
+          </p:cNvPr>
+          <p:cNvSpPr>
+            <a:spLocks noGrp="1"/>
+          </p:cNvSpPr>
+          <p:nvPr>
+            <p:ph type="sldNum" sz="quarter" idx="4294967295"/>
+          </p:nvPr>
+        </p:nvSpPr>
+        <p:spPr>
+          <a:xfrm>
+            <a:off x="7010400" y="4824413"/>
+            <a:ext cx="2133600" cy="273050"/>
+          </a:xfrm>
+        </p:spPr>
+        <p:txBody>
+          <a:bodyPr/>
+          <a:lstStyle/>
+          <a:p>
+            <a:fld id="{EE2556C5-CE8C-6547-B838-EA80C61A4AF7}" type="slidenum">
+              <a:rPr lang="en-US" smtClean="0"/>
+              <a:pPr/>
+              <a:t>8</a:t>
+            </a:fld>
+            <a:endParaRPr lang="en-US" dirty="0"/>
+          </a:p>
+        </p:txBody>
+      </p:sp>
+    </p:spTree>
+    <p:extLst>
+      <p:ext uri="{BB962C8B-B14F-4D97-AF65-F5344CB8AC3E}">
+        <p14:creationId xmlns:p14="http://schemas.microsoft.com/office/powerpoint/2010/main" val="2350490154"/>
+      </p:ext>
+    </p:extLst>
+  </p:cSld>
+  <p:clrMapOvr>
+    <a:masterClrMapping/>
+  </p:clrMapOvr>
+  <mc:AlternateContent xmlns:mc="http://schemas.openxmlformats.org/markup-compatibility/2006" xmlns:p14="http://schemas.microsoft.com/office/powerpoint/2010/main">
+    <mc:Choice Requires="p14">
+      <p:transition spd="med" p14:dur="700">
+        <p:fade/>
+      </p:transition>
+    </mc:Choice>
+    <mc:Fallback xmlns="">
+      <p:transition spd="med">
+        <p:fade/>
+      </p:transition>
+    </mc:Fallback>
+  </mc:AlternateContent>
 </p:sld>
 </file>
 
